--- a/images/activityLogs.pptx
+++ b/images/activityLogs.pptx
@@ -143,6 +143,15 @@
               </c:strCache>
             </c:strRef>
           </c:tx>
+          <c:dLbls>
+            <c:showLegendKey val="0"/>
+            <c:showVal val="1"/>
+            <c:showCatName val="0"/>
+            <c:showSerName val="0"/>
+            <c:showPercent val="0"/>
+            <c:showBubbleSize val="0"/>
+            <c:showLeaderLines val="1"/>
+          </c:dLbls>
           <c:cat>
             <c:strRef>
               <c:f>Sheet1!$A$2:$A$8</c:f>
@@ -421,7 +430,7 @@
           <a:p>
             <a:fld id="{1728FC41-8FBC-410C-B127-169BD9FDD407}" type="datetimeFigureOut">
               <a:rPr lang="en-US" smtClean="0"/>
-              <a:t>1/28/2014</a:t>
+              <a:t>2/27/2014</a:t>
             </a:fld>
             <a:endParaRPr lang="en-US"/>
           </a:p>
@@ -591,7 +600,7 @@
           <a:p>
             <a:fld id="{1728FC41-8FBC-410C-B127-169BD9FDD407}" type="datetimeFigureOut">
               <a:rPr lang="en-US" smtClean="0"/>
-              <a:t>1/28/2014</a:t>
+              <a:t>2/27/2014</a:t>
             </a:fld>
             <a:endParaRPr lang="en-US"/>
           </a:p>
@@ -771,7 +780,7 @@
           <a:p>
             <a:fld id="{1728FC41-8FBC-410C-B127-169BD9FDD407}" type="datetimeFigureOut">
               <a:rPr lang="en-US" smtClean="0"/>
-              <a:t>1/28/2014</a:t>
+              <a:t>2/27/2014</a:t>
             </a:fld>
             <a:endParaRPr lang="en-US"/>
           </a:p>
@@ -941,7 +950,7 @@
           <a:p>
             <a:fld id="{1728FC41-8FBC-410C-B127-169BD9FDD407}" type="datetimeFigureOut">
               <a:rPr lang="en-US" smtClean="0"/>
-              <a:t>1/28/2014</a:t>
+              <a:t>2/27/2014</a:t>
             </a:fld>
             <a:endParaRPr lang="en-US"/>
           </a:p>
@@ -1187,7 +1196,7 @@
           <a:p>
             <a:fld id="{1728FC41-8FBC-410C-B127-169BD9FDD407}" type="datetimeFigureOut">
               <a:rPr lang="en-US" smtClean="0"/>
-              <a:t>1/28/2014</a:t>
+              <a:t>2/27/2014</a:t>
             </a:fld>
             <a:endParaRPr lang="en-US"/>
           </a:p>
@@ -1475,7 +1484,7 @@
           <a:p>
             <a:fld id="{1728FC41-8FBC-410C-B127-169BD9FDD407}" type="datetimeFigureOut">
               <a:rPr lang="en-US" smtClean="0"/>
-              <a:t>1/28/2014</a:t>
+              <a:t>2/27/2014</a:t>
             </a:fld>
             <a:endParaRPr lang="en-US"/>
           </a:p>
@@ -1897,7 +1906,7 @@
           <a:p>
             <a:fld id="{1728FC41-8FBC-410C-B127-169BD9FDD407}" type="datetimeFigureOut">
               <a:rPr lang="en-US" smtClean="0"/>
-              <a:t>1/28/2014</a:t>
+              <a:t>2/27/2014</a:t>
             </a:fld>
             <a:endParaRPr lang="en-US"/>
           </a:p>
@@ -2015,7 +2024,7 @@
           <a:p>
             <a:fld id="{1728FC41-8FBC-410C-B127-169BD9FDD407}" type="datetimeFigureOut">
               <a:rPr lang="en-US" smtClean="0"/>
-              <a:t>1/28/2014</a:t>
+              <a:t>2/27/2014</a:t>
             </a:fld>
             <a:endParaRPr lang="en-US"/>
           </a:p>
@@ -2110,7 +2119,7 @@
           <a:p>
             <a:fld id="{1728FC41-8FBC-410C-B127-169BD9FDD407}" type="datetimeFigureOut">
               <a:rPr lang="en-US" smtClean="0"/>
-              <a:t>1/28/2014</a:t>
+              <a:t>2/27/2014</a:t>
             </a:fld>
             <a:endParaRPr lang="en-US"/>
           </a:p>
@@ -2387,7 +2396,7 @@
           <a:p>
             <a:fld id="{1728FC41-8FBC-410C-B127-169BD9FDD407}" type="datetimeFigureOut">
               <a:rPr lang="en-US" smtClean="0"/>
-              <a:t>1/28/2014</a:t>
+              <a:t>2/27/2014</a:t>
             </a:fld>
             <a:endParaRPr lang="en-US"/>
           </a:p>
@@ -2640,7 +2649,7 @@
           <a:p>
             <a:fld id="{1728FC41-8FBC-410C-B127-169BD9FDD407}" type="datetimeFigureOut">
               <a:rPr lang="en-US" smtClean="0"/>
-              <a:t>1/28/2014</a:t>
+              <a:t>2/27/2014</a:t>
             </a:fld>
             <a:endParaRPr lang="en-US"/>
           </a:p>
@@ -2853,7 +2862,7 @@
           <a:p>
             <a:fld id="{1728FC41-8FBC-410C-B127-169BD9FDD407}" type="datetimeFigureOut">
               <a:rPr lang="en-US" smtClean="0"/>
-              <a:t>1/28/2014</a:t>
+              <a:t>2/27/2014</a:t>
             </a:fld>
             <a:endParaRPr lang="en-US"/>
           </a:p>
@@ -4166,11 +4175,6 @@
               </a:rPr>
               <a:t>1.28.2014 01:05:22</a:t>
             </a:r>
-            <a:endParaRPr lang="en-US" sz="1200" dirty="0">
-              <a:solidFill>
-                <a:prstClr val="black"/>
-              </a:solidFill>
-            </a:endParaRPr>
           </a:p>
         </p:txBody>
       </p:sp>
@@ -4308,11 +4312,6 @@
               </a:rPr>
               <a:t>1.28.2014 01:05:22</a:t>
             </a:r>
-            <a:endParaRPr lang="en-US" sz="1200" dirty="0">
-              <a:solidFill>
-                <a:prstClr val="black"/>
-              </a:solidFill>
-            </a:endParaRPr>
           </a:p>
         </p:txBody>
       </p:sp>
@@ -4527,7 +4526,7 @@
           <p:nvPr>
             <p:extLst>
               <p:ext uri="{D42A27DB-BD31-4B8C-83A1-F6EECF244321}">
-                <p14:modId xmlns:p14="http://schemas.microsoft.com/office/powerpoint/2010/main" val="2015834240"/>
+                <p14:modId xmlns:p14="http://schemas.microsoft.com/office/powerpoint/2010/main" val="4038458957"/>
               </p:ext>
             </p:extLst>
           </p:nvPr>
